--- a/고용노동부 출결프로그램 구조도.pptx
+++ b/고용노동부 출결프로그램 구조도.pptx
@@ -104,6 +104,11 @@
       </a:defRPr>
     </a:lvl9pPr>
   </p:defaultTextStyle>
+  <p:extLst>
+    <p:ext uri="{EFAFB233-063F-42B5-8137-9DF3F51BA10A}">
+      <p15:sldGuideLst xmlns:p15="http://schemas.microsoft.com/office/powerpoint/2012/main"/>
+    </p:ext>
+  </p:extLst>
 </p:presentation>
 </file>
 
@@ -254,7 +259,7 @@
           <a:p>
             <a:fld id="{1BC5491B-26E5-413A-840A-249AB356B17B}" type="datetimeFigureOut">
               <a:rPr lang="ko-KR" altLang="en-US" smtClean="0"/>
-              <a:t>2023-01-09</a:t>
+              <a:t>2023-01-14</a:t>
             </a:fld>
             <a:endParaRPr lang="ko-KR" altLang="en-US"/>
           </a:p>
@@ -452,7 +457,7 @@
           <a:p>
             <a:fld id="{1BC5491B-26E5-413A-840A-249AB356B17B}" type="datetimeFigureOut">
               <a:rPr lang="ko-KR" altLang="en-US" smtClean="0"/>
-              <a:t>2023-01-09</a:t>
+              <a:t>2023-01-14</a:t>
             </a:fld>
             <a:endParaRPr lang="ko-KR" altLang="en-US"/>
           </a:p>
@@ -660,7 +665,7 @@
           <a:p>
             <a:fld id="{1BC5491B-26E5-413A-840A-249AB356B17B}" type="datetimeFigureOut">
               <a:rPr lang="ko-KR" altLang="en-US" smtClean="0"/>
-              <a:t>2023-01-09</a:t>
+              <a:t>2023-01-14</a:t>
             </a:fld>
             <a:endParaRPr lang="ko-KR" altLang="en-US"/>
           </a:p>
@@ -858,7 +863,7 @@
           <a:p>
             <a:fld id="{1BC5491B-26E5-413A-840A-249AB356B17B}" type="datetimeFigureOut">
               <a:rPr lang="ko-KR" altLang="en-US" smtClean="0"/>
-              <a:t>2023-01-09</a:t>
+              <a:t>2023-01-14</a:t>
             </a:fld>
             <a:endParaRPr lang="ko-KR" altLang="en-US"/>
           </a:p>
@@ -1133,7 +1138,7 @@
           <a:p>
             <a:fld id="{1BC5491B-26E5-413A-840A-249AB356B17B}" type="datetimeFigureOut">
               <a:rPr lang="ko-KR" altLang="en-US" smtClean="0"/>
-              <a:t>2023-01-09</a:t>
+              <a:t>2023-01-14</a:t>
             </a:fld>
             <a:endParaRPr lang="ko-KR" altLang="en-US"/>
           </a:p>
@@ -1398,7 +1403,7 @@
           <a:p>
             <a:fld id="{1BC5491B-26E5-413A-840A-249AB356B17B}" type="datetimeFigureOut">
               <a:rPr lang="ko-KR" altLang="en-US" smtClean="0"/>
-              <a:t>2023-01-09</a:t>
+              <a:t>2023-01-14</a:t>
             </a:fld>
             <a:endParaRPr lang="ko-KR" altLang="en-US"/>
           </a:p>
@@ -1810,7 +1815,7 @@
           <a:p>
             <a:fld id="{1BC5491B-26E5-413A-840A-249AB356B17B}" type="datetimeFigureOut">
               <a:rPr lang="ko-KR" altLang="en-US" smtClean="0"/>
-              <a:t>2023-01-09</a:t>
+              <a:t>2023-01-14</a:t>
             </a:fld>
             <a:endParaRPr lang="ko-KR" altLang="en-US"/>
           </a:p>
@@ -1951,7 +1956,7 @@
           <a:p>
             <a:fld id="{1BC5491B-26E5-413A-840A-249AB356B17B}" type="datetimeFigureOut">
               <a:rPr lang="ko-KR" altLang="en-US" smtClean="0"/>
-              <a:t>2023-01-09</a:t>
+              <a:t>2023-01-14</a:t>
             </a:fld>
             <a:endParaRPr lang="ko-KR" altLang="en-US"/>
           </a:p>
@@ -2064,7 +2069,7 @@
           <a:p>
             <a:fld id="{1BC5491B-26E5-413A-840A-249AB356B17B}" type="datetimeFigureOut">
               <a:rPr lang="ko-KR" altLang="en-US" smtClean="0"/>
-              <a:t>2023-01-09</a:t>
+              <a:t>2023-01-14</a:t>
             </a:fld>
             <a:endParaRPr lang="ko-KR" altLang="en-US"/>
           </a:p>
@@ -2375,7 +2380,7 @@
           <a:p>
             <a:fld id="{1BC5491B-26E5-413A-840A-249AB356B17B}" type="datetimeFigureOut">
               <a:rPr lang="ko-KR" altLang="en-US" smtClean="0"/>
-              <a:t>2023-01-09</a:t>
+              <a:t>2023-01-14</a:t>
             </a:fld>
             <a:endParaRPr lang="ko-KR" altLang="en-US"/>
           </a:p>
@@ -2663,7 +2668,7 @@
           <a:p>
             <a:fld id="{1BC5491B-26E5-413A-840A-249AB356B17B}" type="datetimeFigureOut">
               <a:rPr lang="ko-KR" altLang="en-US" smtClean="0"/>
-              <a:t>2023-01-09</a:t>
+              <a:t>2023-01-14</a:t>
             </a:fld>
             <a:endParaRPr lang="ko-KR" altLang="en-US"/>
           </a:p>
@@ -2904,7 +2909,7 @@
           <a:p>
             <a:fld id="{1BC5491B-26E5-413A-840A-249AB356B17B}" type="datetimeFigureOut">
               <a:rPr lang="ko-KR" altLang="en-US" smtClean="0"/>
-              <a:t>2023-01-09</a:t>
+              <a:t>2023-01-14</a:t>
             </a:fld>
             <a:endParaRPr lang="ko-KR" altLang="en-US"/>
           </a:p>
@@ -3321,70 +3326,21 @@
           <a:chExt cx="0" cy="0"/>
         </a:xfrm>
       </p:grpSpPr>
-      <p:cxnSp>
-        <p:nvCxnSpPr>
-          <p:cNvPr id="9" name="직선 화살표 연결선 8">
-            <a:extLst>
-              <a:ext uri="{FF2B5EF4-FFF2-40B4-BE49-F238E27FC236}">
-                <a16:creationId xmlns:a16="http://schemas.microsoft.com/office/drawing/2014/main" id="{9CF585C2-8C80-7C5D-396A-89C20DA27E0B}"/>
-              </a:ext>
-            </a:extLst>
-          </p:cNvPr>
-          <p:cNvCxnSpPr>
-            <a:cxnSpLocks/>
-            <a:stCxn id="5" idx="3"/>
-            <a:endCxn id="6" idx="1"/>
-          </p:cNvCxnSpPr>
+      <p:sp>
+        <p:nvSpPr>
+          <p:cNvPr id="4" name="직사각형 3">
+            <a:extLst>
+              <a:ext uri="{FF2B5EF4-FFF2-40B4-BE49-F238E27FC236}">
+                <a16:creationId xmlns:a16="http://schemas.microsoft.com/office/drawing/2014/main" id="{7A25D838-B54C-FE0C-360A-0A021241788E}"/>
+              </a:ext>
+            </a:extLst>
+          </p:cNvPr>
+          <p:cNvSpPr/>
           <p:nvPr/>
-        </p:nvCxnSpPr>
+        </p:nvSpPr>
         <p:spPr>
           <a:xfrm>
-            <a:off x="4603458" y="2003572"/>
-            <a:ext cx="2985084" cy="0"/>
-          </a:xfrm>
-          <a:prstGeom prst="straightConnector1">
-            <a:avLst/>
-          </a:prstGeom>
-          <a:ln w="9525" cap="flat" cmpd="sng" algn="ctr">
-            <a:solidFill>
-              <a:schemeClr val="accent5"/>
-            </a:solidFill>
-            <a:prstDash val="solid"/>
-            <a:round/>
-            <a:headEnd type="arrow" w="med" len="med"/>
-            <a:tailEnd type="arrow" w="med" len="med"/>
-          </a:ln>
-        </p:spPr>
-        <p:style>
-          <a:lnRef idx="0">
-            <a:scrgbClr r="0" g="0" b="0"/>
-          </a:lnRef>
-          <a:fillRef idx="0">
-            <a:scrgbClr r="0" g="0" b="0"/>
-          </a:fillRef>
-          <a:effectRef idx="0">
-            <a:scrgbClr r="0" g="0" b="0"/>
-          </a:effectRef>
-          <a:fontRef idx="minor">
-            <a:schemeClr val="tx1"/>
-          </a:fontRef>
-        </p:style>
-      </p:cxnSp>
-      <p:sp>
-        <p:nvSpPr>
-          <p:cNvPr id="4" name="직사각형 3">
-            <a:extLst>
-              <a:ext uri="{FF2B5EF4-FFF2-40B4-BE49-F238E27FC236}">
-                <a16:creationId xmlns:a16="http://schemas.microsoft.com/office/drawing/2014/main" id="{7A25D838-B54C-FE0C-360A-0A021241788E}"/>
-              </a:ext>
-            </a:extLst>
-          </p:cNvPr>
-          <p:cNvSpPr/>
-          <p:nvPr/>
-        </p:nvSpPr>
-        <p:spPr>
-          <a:xfrm>
-            <a:off x="5089321" y="276837"/>
+            <a:off x="181762" y="159391"/>
             <a:ext cx="2013358" cy="763398"/>
           </a:xfrm>
           <a:prstGeom prst="rect">
@@ -3421,10 +3377,10 @@
       </p:sp>
       <p:sp>
         <p:nvSpPr>
-          <p:cNvPr id="5" name="직사각형 4">
-            <a:extLst>
-              <a:ext uri="{FF2B5EF4-FFF2-40B4-BE49-F238E27FC236}">
-                <a16:creationId xmlns:a16="http://schemas.microsoft.com/office/drawing/2014/main" id="{9EFE0C57-FDFC-53E5-165C-5750D581BBB8}"/>
+          <p:cNvPr id="2" name="직사각형 1">
+            <a:extLst>
+              <a:ext uri="{FF2B5EF4-FFF2-40B4-BE49-F238E27FC236}">
+                <a16:creationId xmlns:a16="http://schemas.microsoft.com/office/drawing/2014/main" id="{E15C3B5C-9E7C-E9A1-5516-51C82BD3106C}"/>
               </a:ext>
             </a:extLst>
           </p:cNvPr>
@@ -3433,7 +3389,7 @@
         </p:nvSpPr>
         <p:spPr>
           <a:xfrm>
-            <a:off x="2590100" y="1621873"/>
+            <a:off x="181762" y="1110841"/>
             <a:ext cx="2013358" cy="763398"/>
           </a:xfrm>
           <a:prstGeom prst="rect">
@@ -3463,17 +3419,17 @@
             <a:pPr algn="ctr"/>
             <a:r>
               <a:rPr lang="ko-KR" altLang="en-US" dirty="0"/>
-              <a:t>학생 메인</a:t>
-            </a:r>
-          </a:p>
-        </p:txBody>
-      </p:sp>
-      <p:sp>
-        <p:nvSpPr>
-          <p:cNvPr id="6" name="직사각형 5">
-            <a:extLst>
-              <a:ext uri="{FF2B5EF4-FFF2-40B4-BE49-F238E27FC236}">
-                <a16:creationId xmlns:a16="http://schemas.microsoft.com/office/drawing/2014/main" id="{067C4E60-948E-C60E-0DB4-70D9FF2F4A35}"/>
+              <a:t>메인 페이지</a:t>
+            </a:r>
+          </a:p>
+        </p:txBody>
+      </p:sp>
+      <p:sp>
+        <p:nvSpPr>
+          <p:cNvPr id="3" name="직사각형 2">
+            <a:extLst>
+              <a:ext uri="{FF2B5EF4-FFF2-40B4-BE49-F238E27FC236}">
+                <a16:creationId xmlns:a16="http://schemas.microsoft.com/office/drawing/2014/main" id="{4060082C-300D-6B52-B5A6-50ADC8C3B72D}"/>
               </a:ext>
             </a:extLst>
           </p:cNvPr>
@@ -3482,7 +3438,7 @@
         </p:nvSpPr>
         <p:spPr>
           <a:xfrm>
-            <a:off x="7588542" y="1621873"/>
+            <a:off x="181762" y="4352487"/>
             <a:ext cx="2013358" cy="763398"/>
           </a:xfrm>
           <a:prstGeom prst="rect">
@@ -3512,17 +3468,17 @@
             <a:pPr algn="ctr"/>
             <a:r>
               <a:rPr lang="ko-KR" altLang="en-US" dirty="0"/>
-              <a:t>교사 메인</a:t>
-            </a:r>
-          </a:p>
-        </p:txBody>
-      </p:sp>
-      <p:sp>
-        <p:nvSpPr>
-          <p:cNvPr id="7" name="타원 6">
-            <a:extLst>
-              <a:ext uri="{FF2B5EF4-FFF2-40B4-BE49-F238E27FC236}">
-                <a16:creationId xmlns:a16="http://schemas.microsoft.com/office/drawing/2014/main" id="{ADAC146D-54C9-64BD-9FBF-F26ADBBF5151}"/>
+              <a:t>일정 페이지</a:t>
+            </a:r>
+          </a:p>
+        </p:txBody>
+      </p:sp>
+      <p:sp>
+        <p:nvSpPr>
+          <p:cNvPr id="8" name="직사각형 7">
+            <a:extLst>
+              <a:ext uri="{FF2B5EF4-FFF2-40B4-BE49-F238E27FC236}">
+                <a16:creationId xmlns:a16="http://schemas.microsoft.com/office/drawing/2014/main" id="{500E3EC1-AA85-0C2D-21A9-C6ACCC463F43}"/>
               </a:ext>
             </a:extLst>
           </p:cNvPr>
@@ -3531,57 +3487,7 @@
         </p:nvSpPr>
         <p:spPr>
           <a:xfrm>
-            <a:off x="5374546" y="1716946"/>
-            <a:ext cx="1442906" cy="573249"/>
-          </a:xfrm>
-          <a:prstGeom prst="ellipse">
-            <a:avLst/>
-          </a:prstGeom>
-        </p:spPr>
-        <p:style>
-          <a:lnRef idx="2">
-            <a:schemeClr val="accent1">
-              <a:shade val="50000"/>
-            </a:schemeClr>
-          </a:lnRef>
-          <a:fillRef idx="1">
-            <a:schemeClr val="accent1"/>
-          </a:fillRef>
-          <a:effectRef idx="0">
-            <a:schemeClr val="accent1"/>
-          </a:effectRef>
-          <a:fontRef idx="minor">
-            <a:schemeClr val="lt1"/>
-          </a:fontRef>
-        </p:style>
-        <p:txBody>
-          <a:bodyPr rtlCol="0" anchor="ctr"/>
-          <a:lstStyle/>
-          <a:p>
-            <a:pPr algn="ctr"/>
-            <a:r>
-              <a:rPr lang="ko-KR" altLang="en-US" dirty="0"/>
-              <a:t>실시간채팅</a:t>
-            </a:r>
-            <a:endParaRPr lang="en-US" altLang="ko-KR" dirty="0"/>
-          </a:p>
-        </p:txBody>
-      </p:sp>
-      <p:sp>
-        <p:nvSpPr>
-          <p:cNvPr id="11" name="직사각형 10">
-            <a:extLst>
-              <a:ext uri="{FF2B5EF4-FFF2-40B4-BE49-F238E27FC236}">
-                <a16:creationId xmlns:a16="http://schemas.microsoft.com/office/drawing/2014/main" id="{77483D48-7DBC-9A60-9AF1-EF14F855226C}"/>
-              </a:ext>
-            </a:extLst>
-          </p:cNvPr>
-          <p:cNvSpPr/>
-          <p:nvPr/>
-        </p:nvSpPr>
-        <p:spPr>
-          <a:xfrm>
-            <a:off x="6338931" y="2966910"/>
+            <a:off x="6096000" y="4352487"/>
             <a:ext cx="2013358" cy="763398"/>
           </a:xfrm>
           <a:prstGeom prst="rect">
@@ -3611,216 +3517,37 @@
             <a:pPr algn="ctr"/>
             <a:r>
               <a:rPr lang="ko-KR" altLang="en-US" dirty="0"/>
-              <a:t>일정 등록</a:t>
-            </a:r>
-            <a:r>
-              <a:rPr lang="en-US" altLang="ko-KR" dirty="0"/>
-              <a:t>,</a:t>
-            </a:r>
-          </a:p>
-          <a:p>
-            <a:pPr algn="ctr"/>
-            <a:r>
-              <a:rPr lang="ko-KR" altLang="en-US" dirty="0"/>
-              <a:t>수정</a:t>
-            </a:r>
-            <a:r>
-              <a:rPr lang="en-US" altLang="ko-KR" dirty="0"/>
-              <a:t>, </a:t>
-            </a:r>
-            <a:r>
-              <a:rPr lang="ko-KR" altLang="en-US" dirty="0"/>
-              <a:t>삭제</a:t>
-            </a:r>
-          </a:p>
-        </p:txBody>
-      </p:sp>
-      <p:sp>
-        <p:nvSpPr>
-          <p:cNvPr id="12" name="직사각형 11">
-            <a:extLst>
-              <a:ext uri="{FF2B5EF4-FFF2-40B4-BE49-F238E27FC236}">
-                <a16:creationId xmlns:a16="http://schemas.microsoft.com/office/drawing/2014/main" id="{516A48FD-42B9-8E7E-5865-EE469E8F741B}"/>
-              </a:ext>
-            </a:extLst>
-          </p:cNvPr>
-          <p:cNvSpPr/>
-          <p:nvPr/>
-        </p:nvSpPr>
-        <p:spPr>
-          <a:xfrm>
-            <a:off x="3849324" y="2966910"/>
-            <a:ext cx="2013358" cy="763398"/>
-          </a:xfrm>
-          <a:prstGeom prst="rect">
-            <a:avLst/>
-          </a:prstGeom>
-        </p:spPr>
-        <p:style>
-          <a:lnRef idx="2">
-            <a:schemeClr val="accent1">
-              <a:shade val="50000"/>
-            </a:schemeClr>
-          </a:lnRef>
-          <a:fillRef idx="1">
-            <a:schemeClr val="accent1"/>
-          </a:fillRef>
-          <a:effectRef idx="0">
-            <a:schemeClr val="accent1"/>
-          </a:effectRef>
-          <a:fontRef idx="minor">
-            <a:schemeClr val="lt1"/>
-          </a:fontRef>
-        </p:style>
-        <p:txBody>
-          <a:bodyPr rtlCol="0" anchor="ctr"/>
-          <a:lstStyle/>
-          <a:p>
-            <a:pPr algn="ctr"/>
-            <a:r>
-              <a:rPr lang="ko-KR" altLang="en-US" dirty="0"/>
-              <a:t>메인 페이지 연결</a:t>
-            </a:r>
-          </a:p>
-        </p:txBody>
-      </p:sp>
-      <p:sp>
-        <p:nvSpPr>
-          <p:cNvPr id="13" name="직사각형 12">
-            <a:extLst>
-              <a:ext uri="{FF2B5EF4-FFF2-40B4-BE49-F238E27FC236}">
-                <a16:creationId xmlns:a16="http://schemas.microsoft.com/office/drawing/2014/main" id="{144CA8FB-4992-3A86-0627-FC7546D1B0DC}"/>
-              </a:ext>
-            </a:extLst>
-          </p:cNvPr>
-          <p:cNvSpPr/>
-          <p:nvPr/>
-        </p:nvSpPr>
-        <p:spPr>
-          <a:xfrm>
-            <a:off x="1147544" y="2966910"/>
-            <a:ext cx="2013358" cy="763398"/>
-          </a:xfrm>
-          <a:prstGeom prst="rect">
-            <a:avLst/>
-          </a:prstGeom>
-        </p:spPr>
-        <p:style>
-          <a:lnRef idx="2">
-            <a:schemeClr val="accent1">
-              <a:shade val="50000"/>
-            </a:schemeClr>
-          </a:lnRef>
-          <a:fillRef idx="1">
-            <a:schemeClr val="accent1"/>
-          </a:fillRef>
-          <a:effectRef idx="0">
-            <a:schemeClr val="accent1"/>
-          </a:effectRef>
-          <a:fontRef idx="minor">
-            <a:schemeClr val="lt1"/>
-          </a:fontRef>
-        </p:style>
-        <p:txBody>
-          <a:bodyPr rtlCol="0" anchor="ctr"/>
-          <a:lstStyle/>
-          <a:p>
-            <a:pPr algn="ctr"/>
-            <a:r>
-              <a:rPr lang="ko-KR" altLang="en-US" dirty="0"/>
-              <a:t>입실</a:t>
-            </a:r>
-            <a:r>
-              <a:rPr lang="en-US" altLang="ko-KR" dirty="0"/>
-              <a:t>, </a:t>
-            </a:r>
-            <a:r>
-              <a:rPr lang="ko-KR" altLang="en-US" dirty="0"/>
-              <a:t>퇴실 기능</a:t>
-            </a:r>
-          </a:p>
-        </p:txBody>
-      </p:sp>
-      <p:sp>
-        <p:nvSpPr>
-          <p:cNvPr id="14" name="직사각형 13">
-            <a:extLst>
-              <a:ext uri="{FF2B5EF4-FFF2-40B4-BE49-F238E27FC236}">
-                <a16:creationId xmlns:a16="http://schemas.microsoft.com/office/drawing/2014/main" id="{FE072029-454F-27F4-86DD-38EFD31BA883}"/>
-              </a:ext>
-            </a:extLst>
-          </p:cNvPr>
-          <p:cNvSpPr/>
-          <p:nvPr/>
-        </p:nvSpPr>
-        <p:spPr>
-          <a:xfrm>
-            <a:off x="9466976" y="2966910"/>
-            <a:ext cx="2013358" cy="763398"/>
-          </a:xfrm>
-          <a:prstGeom prst="rect">
-            <a:avLst/>
-          </a:prstGeom>
-        </p:spPr>
-        <p:style>
-          <a:lnRef idx="2">
-            <a:schemeClr val="accent1">
-              <a:shade val="50000"/>
-            </a:schemeClr>
-          </a:lnRef>
-          <a:fillRef idx="1">
-            <a:schemeClr val="accent1"/>
-          </a:fillRef>
-          <a:effectRef idx="0">
-            <a:schemeClr val="accent1"/>
-          </a:effectRef>
-          <a:fontRef idx="minor">
-            <a:schemeClr val="lt1"/>
-          </a:fontRef>
-        </p:style>
-        <p:txBody>
-          <a:bodyPr rtlCol="0" anchor="ctr"/>
-          <a:lstStyle/>
-          <a:p>
-            <a:pPr algn="ctr"/>
-            <a:r>
-              <a:rPr lang="ko-KR" altLang="en-US" dirty="0"/>
-              <a:t>출근</a:t>
-            </a:r>
-            <a:r>
-              <a:rPr lang="en-US" altLang="ko-KR" dirty="0"/>
-              <a:t>, </a:t>
-            </a:r>
-            <a:r>
-              <a:rPr lang="ko-KR" altLang="en-US" dirty="0"/>
-              <a:t>퇴근 기능</a:t>
+              <a:t>채팅 페이지</a:t>
             </a:r>
           </a:p>
         </p:txBody>
       </p:sp>
       <p:cxnSp>
         <p:nvCxnSpPr>
-          <p:cNvPr id="17" name="연결선: 꺾임 16">
-            <a:extLst>
-              <a:ext uri="{FF2B5EF4-FFF2-40B4-BE49-F238E27FC236}">
-                <a16:creationId xmlns:a16="http://schemas.microsoft.com/office/drawing/2014/main" id="{D0585F27-B003-AEB7-88A1-5694D026F2F6}"/>
+          <p:cNvPr id="31" name="직선 화살표 연결선 30">
+            <a:extLst>
+              <a:ext uri="{FF2B5EF4-FFF2-40B4-BE49-F238E27FC236}">
+                <a16:creationId xmlns:a16="http://schemas.microsoft.com/office/drawing/2014/main" id="{652603F3-4690-CCA5-FA1E-811A6CBF8DA1}"/>
               </a:ext>
             </a:extLst>
           </p:cNvPr>
           <p:cNvCxnSpPr>
-            <a:stCxn id="5" idx="2"/>
-            <a:endCxn id="11" idx="0"/>
+            <a:stCxn id="2" idx="2"/>
+            <a:endCxn id="3" idx="0"/>
           </p:cNvCxnSpPr>
           <p:nvPr/>
         </p:nvCxnSpPr>
         <p:spPr>
-          <a:xfrm rot="16200000" flipH="1">
-            <a:off x="5180375" y="801674"/>
-            <a:ext cx="581639" cy="3748831"/>
+          <a:xfrm>
+            <a:off x="1188441" y="1874239"/>
+            <a:ext cx="0" cy="2478248"/>
           </a:xfrm>
-          <a:prstGeom prst="bentConnector3">
+          <a:prstGeom prst="straightConnector1">
             <a:avLst/>
           </a:prstGeom>
+          <a:ln>
+            <a:tailEnd type="triangle"/>
+          </a:ln>
         </p:spPr>
         <p:style>
           <a:lnRef idx="1">
@@ -3839,27 +3566,32 @@
       </p:cxnSp>
       <p:cxnSp>
         <p:nvCxnSpPr>
-          <p:cNvPr id="19" name="연결선: 꺾임 18">
-            <a:extLst>
-              <a:ext uri="{FF2B5EF4-FFF2-40B4-BE49-F238E27FC236}">
-                <a16:creationId xmlns:a16="http://schemas.microsoft.com/office/drawing/2014/main" id="{F77C32BB-CD9D-F83F-8CDE-AC864E84CE89}"/>
+          <p:cNvPr id="33" name="연결선: 꺾임 32">
+            <a:extLst>
+              <a:ext uri="{FF2B5EF4-FFF2-40B4-BE49-F238E27FC236}">
+                <a16:creationId xmlns:a16="http://schemas.microsoft.com/office/drawing/2014/main" id="{BF947C98-E597-069D-906E-23A79FC8A735}"/>
               </a:ext>
             </a:extLst>
           </p:cNvPr>
           <p:cNvCxnSpPr>
-            <a:stCxn id="6" idx="2"/>
-            <a:endCxn id="11" idx="0"/>
+            <a:stCxn id="2" idx="2"/>
+            <a:endCxn id="8" idx="0"/>
           </p:cNvCxnSpPr>
           <p:nvPr/>
         </p:nvCxnSpPr>
         <p:spPr>
-          <a:xfrm rot="5400000">
-            <a:off x="7679597" y="2051285"/>
-            <a:ext cx="581639" cy="1249611"/>
+          <a:xfrm rot="16200000" flipH="1">
+            <a:off x="2906436" y="156244"/>
+            <a:ext cx="2478248" cy="5914238"/>
           </a:xfrm>
           <a:prstGeom prst="bentConnector3">
-            <a:avLst/>
+            <a:avLst>
+              <a:gd name="adj1" fmla="val 90959"/>
+            </a:avLst>
           </a:prstGeom>
+          <a:ln>
+            <a:tailEnd type="triangle"/>
+          </a:ln>
         </p:spPr>
         <p:style>
           <a:lnRef idx="1">
@@ -3878,27 +3610,30 @@
       </p:cxnSp>
       <p:cxnSp>
         <p:nvCxnSpPr>
-          <p:cNvPr id="27" name="연결선: 꺾임 26">
-            <a:extLst>
-              <a:ext uri="{FF2B5EF4-FFF2-40B4-BE49-F238E27FC236}">
-                <a16:creationId xmlns:a16="http://schemas.microsoft.com/office/drawing/2014/main" id="{61C29203-ED1F-F662-9E5D-727A7F749DA9}"/>
+          <p:cNvPr id="36" name="직선 화살표 연결선 35">
+            <a:extLst>
+              <a:ext uri="{FF2B5EF4-FFF2-40B4-BE49-F238E27FC236}">
+                <a16:creationId xmlns:a16="http://schemas.microsoft.com/office/drawing/2014/main" id="{C6E9C514-B378-4630-1BDC-5A8D97733C98}"/>
               </a:ext>
             </a:extLst>
           </p:cNvPr>
           <p:cNvCxnSpPr>
             <a:stCxn id="4" idx="2"/>
-            <a:endCxn id="5" idx="0"/>
+            <a:endCxn id="2" idx="0"/>
           </p:cNvCxnSpPr>
           <p:nvPr/>
         </p:nvCxnSpPr>
         <p:spPr>
-          <a:xfrm rot="5400000">
-            <a:off x="4555571" y="81444"/>
-            <a:ext cx="581638" cy="2499221"/>
+          <a:xfrm>
+            <a:off x="1188441" y="922789"/>
+            <a:ext cx="0" cy="188052"/>
           </a:xfrm>
-          <a:prstGeom prst="bentConnector3">
+          <a:prstGeom prst="straightConnector1">
             <a:avLst/>
           </a:prstGeom>
+          <a:ln>
+            <a:tailEnd type="triangle"/>
+          </a:ln>
         </p:spPr>
         <p:style>
           <a:lnRef idx="1">
@@ -3915,25 +3650,314 @@
           </a:fontRef>
         </p:style>
       </p:cxnSp>
+      <p:sp>
+        <p:nvSpPr>
+          <p:cNvPr id="40" name="직사각형 39">
+            <a:extLst>
+              <a:ext uri="{FF2B5EF4-FFF2-40B4-BE49-F238E27FC236}">
+                <a16:creationId xmlns:a16="http://schemas.microsoft.com/office/drawing/2014/main" id="{63A09717-B3CC-712A-A80C-870A200FBCEC}"/>
+              </a:ext>
+            </a:extLst>
+          </p:cNvPr>
+          <p:cNvSpPr/>
+          <p:nvPr/>
+        </p:nvSpPr>
+        <p:spPr>
+          <a:xfrm>
+            <a:off x="3379365" y="159391"/>
+            <a:ext cx="2013358" cy="763398"/>
+          </a:xfrm>
+          <a:prstGeom prst="rect">
+            <a:avLst/>
+          </a:prstGeom>
+        </p:spPr>
+        <p:style>
+          <a:lnRef idx="2">
+            <a:schemeClr val="accent2">
+              <a:shade val="50000"/>
+            </a:schemeClr>
+          </a:lnRef>
+          <a:fillRef idx="1">
+            <a:schemeClr val="accent2"/>
+          </a:fillRef>
+          <a:effectRef idx="0">
+            <a:schemeClr val="accent2"/>
+          </a:effectRef>
+          <a:fontRef idx="minor">
+            <a:schemeClr val="lt1"/>
+          </a:fontRef>
+        </p:style>
+        <p:txBody>
+          <a:bodyPr rtlCol="0" anchor="ctr"/>
+          <a:lstStyle/>
+          <a:p>
+            <a:pPr algn="ctr"/>
+            <a:r>
+              <a:rPr lang="ko-KR" altLang="en-US" dirty="0"/>
+              <a:t>로그인 기능</a:t>
+            </a:r>
+          </a:p>
+        </p:txBody>
+      </p:sp>
       <p:cxnSp>
         <p:nvCxnSpPr>
-          <p:cNvPr id="29" name="연결선: 꺾임 28">
-            <a:extLst>
-              <a:ext uri="{FF2B5EF4-FFF2-40B4-BE49-F238E27FC236}">
-                <a16:creationId xmlns:a16="http://schemas.microsoft.com/office/drawing/2014/main" id="{6FFEF042-62DE-B63D-D7EC-DB85863DC405}"/>
+          <p:cNvPr id="42" name="직선 연결선 41">
+            <a:extLst>
+              <a:ext uri="{FF2B5EF4-FFF2-40B4-BE49-F238E27FC236}">
+                <a16:creationId xmlns:a16="http://schemas.microsoft.com/office/drawing/2014/main" id="{EE9618BE-6F8C-03CF-14EE-93AF9DA080EB}"/>
               </a:ext>
             </a:extLst>
           </p:cNvPr>
           <p:cNvCxnSpPr>
-            <a:stCxn id="4" idx="2"/>
-            <a:endCxn id="6" idx="0"/>
+            <a:cxnSpLocks/>
+            <a:stCxn id="4" idx="3"/>
+            <a:endCxn id="40" idx="1"/>
           </p:cNvCxnSpPr>
           <p:nvPr/>
         </p:nvCxnSpPr>
         <p:spPr>
-          <a:xfrm rot="16200000" flipH="1">
-            <a:off x="7054791" y="81443"/>
-            <a:ext cx="581638" cy="2499221"/>
+          <a:xfrm>
+            <a:off x="2195120" y="541090"/>
+            <a:ext cx="1184245" cy="0"/>
+          </a:xfrm>
+          <a:prstGeom prst="line">
+            <a:avLst/>
+          </a:prstGeom>
+        </p:spPr>
+        <p:style>
+          <a:lnRef idx="1">
+            <a:schemeClr val="accent2"/>
+          </a:lnRef>
+          <a:fillRef idx="0">
+            <a:schemeClr val="accent2"/>
+          </a:fillRef>
+          <a:effectRef idx="0">
+            <a:schemeClr val="accent2"/>
+          </a:effectRef>
+          <a:fontRef idx="minor">
+            <a:schemeClr val="tx1"/>
+          </a:fontRef>
+        </p:style>
+      </p:cxnSp>
+      <p:sp>
+        <p:nvSpPr>
+          <p:cNvPr id="44" name="직사각형 43">
+            <a:extLst>
+              <a:ext uri="{FF2B5EF4-FFF2-40B4-BE49-F238E27FC236}">
+                <a16:creationId xmlns:a16="http://schemas.microsoft.com/office/drawing/2014/main" id="{172E2F7C-0129-A89E-DE71-5C0808FA56E5}"/>
+              </a:ext>
+            </a:extLst>
+          </p:cNvPr>
+          <p:cNvSpPr/>
+          <p:nvPr/>
+        </p:nvSpPr>
+        <p:spPr>
+          <a:xfrm>
+            <a:off x="3379365" y="1112240"/>
+            <a:ext cx="2013357" cy="763398"/>
+          </a:xfrm>
+          <a:prstGeom prst="rect">
+            <a:avLst/>
+          </a:prstGeom>
+        </p:spPr>
+        <p:style>
+          <a:lnRef idx="2">
+            <a:schemeClr val="accent2">
+              <a:shade val="50000"/>
+            </a:schemeClr>
+          </a:lnRef>
+          <a:fillRef idx="1">
+            <a:schemeClr val="accent2"/>
+          </a:fillRef>
+          <a:effectRef idx="0">
+            <a:schemeClr val="accent2"/>
+          </a:effectRef>
+          <a:fontRef idx="minor">
+            <a:schemeClr val="lt1"/>
+          </a:fontRef>
+        </p:style>
+        <p:txBody>
+          <a:bodyPr rtlCol="0" anchor="ctr"/>
+          <a:lstStyle/>
+          <a:p>
+            <a:pPr algn="ctr"/>
+            <a:r>
+              <a:rPr lang="ko-KR" altLang="en-US" dirty="0"/>
+              <a:t>실시간 일정 확인</a:t>
+            </a:r>
+          </a:p>
+        </p:txBody>
+      </p:sp>
+      <p:cxnSp>
+        <p:nvCxnSpPr>
+          <p:cNvPr id="46" name="직선 연결선 45">
+            <a:extLst>
+              <a:ext uri="{FF2B5EF4-FFF2-40B4-BE49-F238E27FC236}">
+                <a16:creationId xmlns:a16="http://schemas.microsoft.com/office/drawing/2014/main" id="{138F3456-96C2-F03B-AE3D-9DD6EE2C4DED}"/>
+              </a:ext>
+            </a:extLst>
+          </p:cNvPr>
+          <p:cNvCxnSpPr>
+            <a:cxnSpLocks/>
+            <a:stCxn id="2" idx="3"/>
+            <a:endCxn id="44" idx="1"/>
+          </p:cNvCxnSpPr>
+          <p:nvPr/>
+        </p:nvCxnSpPr>
+        <p:spPr>
+          <a:xfrm>
+            <a:off x="2195120" y="1492540"/>
+            <a:ext cx="1184245" cy="1399"/>
+          </a:xfrm>
+          <a:prstGeom prst="line">
+            <a:avLst/>
+          </a:prstGeom>
+        </p:spPr>
+        <p:style>
+          <a:lnRef idx="1">
+            <a:schemeClr val="accent2"/>
+          </a:lnRef>
+          <a:fillRef idx="0">
+            <a:schemeClr val="accent2"/>
+          </a:fillRef>
+          <a:effectRef idx="0">
+            <a:schemeClr val="accent2"/>
+          </a:effectRef>
+          <a:fontRef idx="minor">
+            <a:schemeClr val="tx1"/>
+          </a:fontRef>
+        </p:style>
+      </p:cxnSp>
+      <p:sp>
+        <p:nvSpPr>
+          <p:cNvPr id="56" name="직사각형 55">
+            <a:extLst>
+              <a:ext uri="{FF2B5EF4-FFF2-40B4-BE49-F238E27FC236}">
+                <a16:creationId xmlns:a16="http://schemas.microsoft.com/office/drawing/2014/main" id="{74A77F48-C0BA-424A-59B9-923D60E8AFE7}"/>
+              </a:ext>
+            </a:extLst>
+          </p:cNvPr>
+          <p:cNvSpPr/>
+          <p:nvPr/>
+        </p:nvSpPr>
+        <p:spPr>
+          <a:xfrm>
+            <a:off x="3379364" y="2063690"/>
+            <a:ext cx="2013355" cy="763398"/>
+          </a:xfrm>
+          <a:prstGeom prst="rect">
+            <a:avLst/>
+          </a:prstGeom>
+        </p:spPr>
+        <p:style>
+          <a:lnRef idx="2">
+            <a:schemeClr val="accent2">
+              <a:shade val="50000"/>
+            </a:schemeClr>
+          </a:lnRef>
+          <a:fillRef idx="1">
+            <a:schemeClr val="accent2"/>
+          </a:fillRef>
+          <a:effectRef idx="0">
+            <a:schemeClr val="accent2"/>
+          </a:effectRef>
+          <a:fontRef idx="minor">
+            <a:schemeClr val="lt1"/>
+          </a:fontRef>
+        </p:style>
+        <p:txBody>
+          <a:bodyPr rtlCol="0" anchor="ctr"/>
+          <a:lstStyle/>
+          <a:p>
+            <a:pPr algn="ctr"/>
+            <a:r>
+              <a:rPr lang="ko-KR" altLang="en-US" dirty="0"/>
+              <a:t>신규 메시지 체크</a:t>
+            </a:r>
+          </a:p>
+        </p:txBody>
+      </p:sp>
+      <p:sp>
+        <p:nvSpPr>
+          <p:cNvPr id="60" name="직사각형 59">
+            <a:extLst>
+              <a:ext uri="{FF2B5EF4-FFF2-40B4-BE49-F238E27FC236}">
+                <a16:creationId xmlns:a16="http://schemas.microsoft.com/office/drawing/2014/main" id="{C34E1477-A32C-3B58-17B8-D0DF0819E399}"/>
+              </a:ext>
+            </a:extLst>
+          </p:cNvPr>
+          <p:cNvSpPr/>
+          <p:nvPr/>
+        </p:nvSpPr>
+        <p:spPr>
+          <a:xfrm>
+            <a:off x="3379364" y="3015140"/>
+            <a:ext cx="2013355" cy="763398"/>
+          </a:xfrm>
+          <a:prstGeom prst="rect">
+            <a:avLst/>
+          </a:prstGeom>
+        </p:spPr>
+        <p:style>
+          <a:lnRef idx="2">
+            <a:schemeClr val="accent2">
+              <a:shade val="50000"/>
+            </a:schemeClr>
+          </a:lnRef>
+          <a:fillRef idx="1">
+            <a:schemeClr val="accent2"/>
+          </a:fillRef>
+          <a:effectRef idx="0">
+            <a:schemeClr val="accent2"/>
+          </a:effectRef>
+          <a:fontRef idx="minor">
+            <a:schemeClr val="lt1"/>
+          </a:fontRef>
+        </p:style>
+        <p:txBody>
+          <a:bodyPr rtlCol="0" anchor="ctr"/>
+          <a:lstStyle/>
+          <a:p>
+            <a:pPr algn="ctr"/>
+            <a:r>
+              <a:rPr lang="ko-KR" altLang="en-US" dirty="0"/>
+              <a:t>접속자에 따라</a:t>
+            </a:r>
+            <a:endParaRPr lang="en-US" altLang="ko-KR" dirty="0"/>
+          </a:p>
+          <a:p>
+            <a:pPr algn="ctr"/>
+            <a:r>
+              <a:rPr lang="ko-KR" altLang="en-US" dirty="0"/>
+              <a:t>다른 </a:t>
+            </a:r>
+            <a:r>
+              <a:rPr lang="en-US" altLang="ko-KR" dirty="0"/>
+              <a:t>UI</a:t>
+            </a:r>
+            <a:endParaRPr lang="ko-KR" altLang="en-US" dirty="0"/>
+          </a:p>
+        </p:txBody>
+      </p:sp>
+      <p:cxnSp>
+        <p:nvCxnSpPr>
+          <p:cNvPr id="68" name="연결선: 꺾임 67">
+            <a:extLst>
+              <a:ext uri="{FF2B5EF4-FFF2-40B4-BE49-F238E27FC236}">
+                <a16:creationId xmlns:a16="http://schemas.microsoft.com/office/drawing/2014/main" id="{9AE995CF-D405-E297-4CDA-33866D7D0275}"/>
+              </a:ext>
+            </a:extLst>
+          </p:cNvPr>
+          <p:cNvCxnSpPr>
+            <a:stCxn id="2" idx="3"/>
+            <a:endCxn id="56" idx="1"/>
+          </p:cNvCxnSpPr>
+          <p:nvPr/>
+        </p:nvCxnSpPr>
+        <p:spPr>
+          <a:xfrm>
+            <a:off x="2195120" y="1492540"/>
+            <a:ext cx="1184244" cy="952849"/>
           </a:xfrm>
           <a:prstGeom prst="bentConnector3">
             <a:avLst/>
@@ -3941,13 +3965,13 @@
         </p:spPr>
         <p:style>
           <a:lnRef idx="1">
-            <a:schemeClr val="accent1"/>
+            <a:schemeClr val="accent2"/>
           </a:lnRef>
           <a:fillRef idx="0">
-            <a:schemeClr val="accent1"/>
+            <a:schemeClr val="accent2"/>
           </a:fillRef>
           <a:effectRef idx="0">
-            <a:schemeClr val="accent1"/>
+            <a:schemeClr val="accent2"/>
           </a:effectRef>
           <a:fontRef idx="minor">
             <a:schemeClr val="tx1"/>
@@ -3956,23 +3980,23 @@
       </p:cxnSp>
       <p:cxnSp>
         <p:nvCxnSpPr>
-          <p:cNvPr id="35" name="연결선: 꺾임 34">
-            <a:extLst>
-              <a:ext uri="{FF2B5EF4-FFF2-40B4-BE49-F238E27FC236}">
-                <a16:creationId xmlns:a16="http://schemas.microsoft.com/office/drawing/2014/main" id="{EA675D93-22B4-AC07-C7FF-43949987186B}"/>
+          <p:cNvPr id="70" name="연결선: 꺾임 69">
+            <a:extLst>
+              <a:ext uri="{FF2B5EF4-FFF2-40B4-BE49-F238E27FC236}">
+                <a16:creationId xmlns:a16="http://schemas.microsoft.com/office/drawing/2014/main" id="{9E9AF55B-BDB1-5880-4E32-0C4B8A9729D2}"/>
               </a:ext>
             </a:extLst>
           </p:cNvPr>
           <p:cNvCxnSpPr>
-            <a:stCxn id="6" idx="2"/>
-            <a:endCxn id="12" idx="0"/>
+            <a:stCxn id="2" idx="3"/>
+            <a:endCxn id="60" idx="1"/>
           </p:cNvCxnSpPr>
           <p:nvPr/>
         </p:nvCxnSpPr>
         <p:spPr>
-          <a:xfrm rot="5400000">
-            <a:off x="6434793" y="806481"/>
-            <a:ext cx="581639" cy="3739218"/>
+          <a:xfrm>
+            <a:off x="2195120" y="1492540"/>
+            <a:ext cx="1184244" cy="1904299"/>
           </a:xfrm>
           <a:prstGeom prst="bentConnector3">
             <a:avLst/>
@@ -3980,13 +4004,207 @@
         </p:spPr>
         <p:style>
           <a:lnRef idx="1">
-            <a:schemeClr val="accent1"/>
+            <a:schemeClr val="accent2"/>
           </a:lnRef>
           <a:fillRef idx="0">
-            <a:schemeClr val="accent1"/>
+            <a:schemeClr val="accent2"/>
           </a:fillRef>
           <a:effectRef idx="0">
-            <a:schemeClr val="accent1"/>
+            <a:schemeClr val="accent2"/>
+          </a:effectRef>
+          <a:fontRef idx="minor">
+            <a:schemeClr val="tx1"/>
+          </a:fontRef>
+        </p:style>
+      </p:cxnSp>
+      <p:sp>
+        <p:nvSpPr>
+          <p:cNvPr id="73" name="직사각형 72">
+            <a:extLst>
+              <a:ext uri="{FF2B5EF4-FFF2-40B4-BE49-F238E27FC236}">
+                <a16:creationId xmlns:a16="http://schemas.microsoft.com/office/drawing/2014/main" id="{B0AF99A4-AEC5-79D5-D372-31065639DBEA}"/>
+              </a:ext>
+            </a:extLst>
+          </p:cNvPr>
+          <p:cNvSpPr/>
+          <p:nvPr/>
+        </p:nvSpPr>
+        <p:spPr>
+          <a:xfrm>
+            <a:off x="181763" y="5496187"/>
+            <a:ext cx="2013357" cy="763398"/>
+          </a:xfrm>
+          <a:prstGeom prst="rect">
+            <a:avLst/>
+          </a:prstGeom>
+        </p:spPr>
+        <p:style>
+          <a:lnRef idx="2">
+            <a:schemeClr val="accent2">
+              <a:shade val="50000"/>
+            </a:schemeClr>
+          </a:lnRef>
+          <a:fillRef idx="1">
+            <a:schemeClr val="accent2"/>
+          </a:fillRef>
+          <a:effectRef idx="0">
+            <a:schemeClr val="accent2"/>
+          </a:effectRef>
+          <a:fontRef idx="minor">
+            <a:schemeClr val="lt1"/>
+          </a:fontRef>
+        </p:style>
+        <p:txBody>
+          <a:bodyPr rtlCol="0" anchor="ctr"/>
+          <a:lstStyle/>
+          <a:p>
+            <a:pPr algn="ctr"/>
+            <a:r>
+              <a:rPr lang="ko-KR" altLang="en-US" dirty="0"/>
+              <a:t>일정 관리</a:t>
+            </a:r>
+          </a:p>
+        </p:txBody>
+      </p:sp>
+      <p:sp>
+        <p:nvSpPr>
+          <p:cNvPr id="74" name="직사각형 73">
+            <a:extLst>
+              <a:ext uri="{FF2B5EF4-FFF2-40B4-BE49-F238E27FC236}">
+                <a16:creationId xmlns:a16="http://schemas.microsoft.com/office/drawing/2014/main" id="{69CD66CE-68C1-0581-6414-EDD5D2EDFF0D}"/>
+              </a:ext>
+            </a:extLst>
+          </p:cNvPr>
+          <p:cNvSpPr/>
+          <p:nvPr/>
+        </p:nvSpPr>
+        <p:spPr>
+          <a:xfrm>
+            <a:off x="6096000" y="5496187"/>
+            <a:ext cx="2013357" cy="763398"/>
+          </a:xfrm>
+          <a:prstGeom prst="rect">
+            <a:avLst/>
+          </a:prstGeom>
+        </p:spPr>
+        <p:style>
+          <a:lnRef idx="2">
+            <a:schemeClr val="accent2">
+              <a:shade val="50000"/>
+            </a:schemeClr>
+          </a:lnRef>
+          <a:fillRef idx="1">
+            <a:schemeClr val="accent2"/>
+          </a:fillRef>
+          <a:effectRef idx="0">
+            <a:schemeClr val="accent2"/>
+          </a:effectRef>
+          <a:fontRef idx="minor">
+            <a:schemeClr val="lt1"/>
+          </a:fontRef>
+        </p:style>
+        <p:txBody>
+          <a:bodyPr rtlCol="0" anchor="ctr"/>
+          <a:lstStyle/>
+          <a:p>
+            <a:pPr algn="ctr"/>
+            <a:r>
+              <a:rPr lang="ko-KR" altLang="en-US" dirty="0"/>
+              <a:t>실시간 채팅 기능</a:t>
+            </a:r>
+          </a:p>
+        </p:txBody>
+      </p:sp>
+      <p:sp>
+        <p:nvSpPr>
+          <p:cNvPr id="75" name="직사각형 74">
+            <a:extLst>
+              <a:ext uri="{FF2B5EF4-FFF2-40B4-BE49-F238E27FC236}">
+                <a16:creationId xmlns:a16="http://schemas.microsoft.com/office/drawing/2014/main" id="{6F9629C6-8D70-014F-327E-15B16514AB27}"/>
+              </a:ext>
+            </a:extLst>
+          </p:cNvPr>
+          <p:cNvSpPr/>
+          <p:nvPr/>
+        </p:nvSpPr>
+        <p:spPr>
+          <a:xfrm>
+            <a:off x="8976220" y="5496187"/>
+            <a:ext cx="2013357" cy="763398"/>
+          </a:xfrm>
+          <a:prstGeom prst="rect">
+            <a:avLst/>
+          </a:prstGeom>
+        </p:spPr>
+        <p:style>
+          <a:lnRef idx="2">
+            <a:schemeClr val="accent2">
+              <a:shade val="50000"/>
+            </a:schemeClr>
+          </a:lnRef>
+          <a:fillRef idx="1">
+            <a:schemeClr val="accent2"/>
+          </a:fillRef>
+          <a:effectRef idx="0">
+            <a:schemeClr val="accent2"/>
+          </a:effectRef>
+          <a:fontRef idx="minor">
+            <a:schemeClr val="lt1"/>
+          </a:fontRef>
+        </p:style>
+        <p:txBody>
+          <a:bodyPr rtlCol="0" anchor="ctr"/>
+          <a:lstStyle/>
+          <a:p>
+            <a:pPr algn="ctr"/>
+            <a:r>
+              <a:rPr lang="ko-KR" altLang="en-US" dirty="0"/>
+              <a:t>미확인 메시지</a:t>
+            </a:r>
+            <a:endParaRPr lang="en-US" altLang="ko-KR" dirty="0"/>
+          </a:p>
+          <a:p>
+            <a:pPr algn="ctr"/>
+            <a:r>
+              <a:rPr lang="ko-KR" altLang="en-US" dirty="0"/>
+              <a:t>발신자 확인 가능</a:t>
+            </a:r>
+          </a:p>
+        </p:txBody>
+      </p:sp>
+      <p:cxnSp>
+        <p:nvCxnSpPr>
+          <p:cNvPr id="77" name="직선 연결선 76">
+            <a:extLst>
+              <a:ext uri="{FF2B5EF4-FFF2-40B4-BE49-F238E27FC236}">
+                <a16:creationId xmlns:a16="http://schemas.microsoft.com/office/drawing/2014/main" id="{1E1FFDA0-47AA-1116-A86C-62AF3165978D}"/>
+              </a:ext>
+            </a:extLst>
+          </p:cNvPr>
+          <p:cNvCxnSpPr>
+            <a:stCxn id="8" idx="2"/>
+            <a:endCxn id="74" idx="0"/>
+          </p:cNvCxnSpPr>
+          <p:nvPr/>
+        </p:nvCxnSpPr>
+        <p:spPr>
+          <a:xfrm>
+            <a:off x="7102679" y="5115885"/>
+            <a:ext cx="0" cy="380302"/>
+          </a:xfrm>
+          <a:prstGeom prst="line">
+            <a:avLst/>
+          </a:prstGeom>
+        </p:spPr>
+        <p:style>
+          <a:lnRef idx="1">
+            <a:schemeClr val="accent2"/>
+          </a:lnRef>
+          <a:fillRef idx="0">
+            <a:schemeClr val="accent2"/>
+          </a:fillRef>
+          <a:effectRef idx="0">
+            <a:schemeClr val="accent2"/>
           </a:effectRef>
           <a:fontRef idx="minor">
             <a:schemeClr val="tx1"/>
@@ -3995,23 +4213,62 @@
       </p:cxnSp>
       <p:cxnSp>
         <p:nvCxnSpPr>
-          <p:cNvPr id="37" name="연결선: 꺾임 36">
-            <a:extLst>
-              <a:ext uri="{FF2B5EF4-FFF2-40B4-BE49-F238E27FC236}">
-                <a16:creationId xmlns:a16="http://schemas.microsoft.com/office/drawing/2014/main" id="{55BC5DB1-786F-EFAA-736C-D789D0E55A8B}"/>
+          <p:cNvPr id="79" name="직선 연결선 78">
+            <a:extLst>
+              <a:ext uri="{FF2B5EF4-FFF2-40B4-BE49-F238E27FC236}">
+                <a16:creationId xmlns:a16="http://schemas.microsoft.com/office/drawing/2014/main" id="{27D09BE9-66C2-7440-A543-3BB3B411D86D}"/>
               </a:ext>
             </a:extLst>
           </p:cNvPr>
           <p:cNvCxnSpPr>
-            <a:stCxn id="5" idx="2"/>
-            <a:endCxn id="12" idx="0"/>
+            <a:stCxn id="3" idx="2"/>
+            <a:endCxn id="73" idx="0"/>
+          </p:cNvCxnSpPr>
+          <p:nvPr/>
+        </p:nvCxnSpPr>
+        <p:spPr>
+          <a:xfrm>
+            <a:off x="1188441" y="5115885"/>
+            <a:ext cx="1" cy="380302"/>
+          </a:xfrm>
+          <a:prstGeom prst="line">
+            <a:avLst/>
+          </a:prstGeom>
+        </p:spPr>
+        <p:style>
+          <a:lnRef idx="1">
+            <a:schemeClr val="accent2"/>
+          </a:lnRef>
+          <a:fillRef idx="0">
+            <a:schemeClr val="accent2"/>
+          </a:fillRef>
+          <a:effectRef idx="0">
+            <a:schemeClr val="accent2"/>
+          </a:effectRef>
+          <a:fontRef idx="minor">
+            <a:schemeClr val="tx1"/>
+          </a:fontRef>
+        </p:style>
+      </p:cxnSp>
+      <p:cxnSp>
+        <p:nvCxnSpPr>
+          <p:cNvPr id="81" name="연결선: 꺾임 80">
+            <a:extLst>
+              <a:ext uri="{FF2B5EF4-FFF2-40B4-BE49-F238E27FC236}">
+                <a16:creationId xmlns:a16="http://schemas.microsoft.com/office/drawing/2014/main" id="{7E608DF7-68AF-DBB1-1EF1-116C3933C1F3}"/>
+              </a:ext>
+            </a:extLst>
+          </p:cNvPr>
+          <p:cNvCxnSpPr>
+            <a:stCxn id="8" idx="2"/>
+            <a:endCxn id="75" idx="0"/>
           </p:cNvCxnSpPr>
           <p:nvPr/>
         </p:nvCxnSpPr>
         <p:spPr>
           <a:xfrm rot="16200000" flipH="1">
-            <a:off x="3935572" y="2046478"/>
-            <a:ext cx="581639" cy="1259224"/>
+            <a:off x="8352638" y="3865926"/>
+            <a:ext cx="380302" cy="2880220"/>
           </a:xfrm>
           <a:prstGeom prst="bentConnector3">
             <a:avLst/>
@@ -4019,13 +4276,13 @@
         </p:spPr>
         <p:style>
           <a:lnRef idx="1">
-            <a:schemeClr val="accent1"/>
+            <a:schemeClr val="accent2"/>
           </a:lnRef>
           <a:fillRef idx="0">
-            <a:schemeClr val="accent1"/>
+            <a:schemeClr val="accent2"/>
           </a:fillRef>
           <a:effectRef idx="0">
-            <a:schemeClr val="accent1"/>
+            <a:schemeClr val="accent2"/>
           </a:effectRef>
           <a:fontRef idx="minor">
             <a:schemeClr val="tx1"/>
